--- a/report/slides.pptx
+++ b/report/slides.pptx
@@ -146,6 +146,9 @@
         </p15:guide>
       </p15:sldGuideLst>
     </p:ext>
+    <p:ext uri="{2D200454-40CA-4A62-9FC3-DE9A4176ACB9}">
+      <p15:notesGuideLst xmlns:p15="http://schemas.microsoft.com/office/powerpoint/2012/main"/>
+    </p:ext>
   </p:extLst>
 </p:presentation>
 </file>
@@ -244,7 +247,7 @@
           <a:p>
             <a:fld id="{60B33442-C745-485E-A3A2-056FECA49178}" type="datetimeFigureOut">
               <a:rPr lang="en-HK" smtClean="0"/>
-              <a:t>15/5/2021</a:t>
+              <a:t>16/5/2021</a:t>
             </a:fld>
             <a:endParaRPr lang="en-HK"/>
           </a:p>
@@ -421,7 +424,7 @@
           <a:p>
             <a:fld id="{3F3579B1-42A5-497E-9DEC-46745CED68B0}" type="datetimeFigureOut">
               <a:rPr lang="en-HK" smtClean="0"/>
-              <a:t>15/5/2021</a:t>
+              <a:t>16/5/2021</a:t>
             </a:fld>
             <a:endParaRPr lang="en-HK"/>
           </a:p>
@@ -3090,6 +3093,18 @@
   <p:clrMapOvr>
     <a:masterClrMapping/>
   </p:clrMapOvr>
+  <mc:AlternateContent xmlns:mc="http://schemas.openxmlformats.org/markup-compatibility/2006">
+    <mc:Choice xmlns:p14="http://schemas.microsoft.com/office/powerpoint/2010/main" Requires="p14">
+      <p:transition spd="med" p14:dur="700">
+        <p:fade/>
+      </p:transition>
+    </mc:Choice>
+    <mc:Fallback>
+      <p:transition spd="med">
+        <p:fade/>
+      </p:transition>
+    </mc:Fallback>
+  </mc:AlternateContent>
 </p:sldLayout>
 </file>
 
@@ -3464,6 +3479,18 @@
   <p:clrMapOvr>
     <a:masterClrMapping/>
   </p:clrMapOvr>
+  <mc:AlternateContent xmlns:mc="http://schemas.openxmlformats.org/markup-compatibility/2006">
+    <mc:Choice xmlns:p14="http://schemas.microsoft.com/office/powerpoint/2010/main" Requires="p14">
+      <p:transition spd="med" p14:dur="700">
+        <p:fade/>
+      </p:transition>
+    </mc:Choice>
+    <mc:Fallback>
+      <p:transition spd="med">
+        <p:fade/>
+      </p:transition>
+    </mc:Fallback>
+  </mc:AlternateContent>
 </p:sldLayout>
 </file>
 
@@ -3618,7 +3645,7 @@
           <a:p>
             <a:fld id="{B91A8EE3-0F20-4CE2-B8B6-F3055CD6C304}" type="datetime1">
               <a:rPr lang="en-US" smtClean="0"/>
-              <a:t>5/15/2021</a:t>
+              <a:t>5/16/2021</a:t>
             </a:fld>
             <a:endParaRPr lang="en-HK" dirty="0"/>
           </a:p>
@@ -3714,6 +3741,18 @@
     <p:sldLayoutId id="2147483675" r:id="rId1"/>
     <p:sldLayoutId id="2147483672" r:id="rId2"/>
   </p:sldLayoutIdLst>
+  <mc:AlternateContent xmlns:mc="http://schemas.openxmlformats.org/markup-compatibility/2006">
+    <mc:Choice xmlns:p14="http://schemas.microsoft.com/office/powerpoint/2010/main" Requires="p14">
+      <p:transition spd="med" p14:dur="700">
+        <p:fade/>
+      </p:transition>
+    </mc:Choice>
+    <mc:Fallback>
+      <p:transition spd="med">
+        <p:fade/>
+      </p:transition>
+    </mc:Fallback>
+  </mc:AlternateContent>
   <p:hf hdr="0"/>
   <p:txStyles>
     <p:titleStyle>
@@ -4371,15 +4410,15 @@
   <p:clrMapOvr>
     <a:masterClrMapping/>
   </p:clrMapOvr>
-  <mc:AlternateContent xmlns:mc="http://schemas.openxmlformats.org/markup-compatibility/2006" xmlns:p14="http://schemas.microsoft.com/office/powerpoint/2010/main">
-    <mc:Choice Requires="p14">
-      <p:transition spd="slow" p14:dur="1600" advTm="4946">
-        <p:blinds dir="vert"/>
+  <mc:AlternateContent xmlns:mc="http://schemas.openxmlformats.org/markup-compatibility/2006">
+    <mc:Choice xmlns:p14="http://schemas.microsoft.com/office/powerpoint/2010/main" Requires="p14">
+      <p:transition spd="med" p14:dur="700">
+        <p:fade/>
       </p:transition>
     </mc:Choice>
-    <mc:Fallback xmlns="">
-      <p:transition spd="slow" advTm="4946">
-        <p:blinds dir="vert"/>
+    <mc:Fallback>
+      <p:transition spd="med">
+        <p:fade/>
       </p:transition>
     </mc:Fallback>
   </mc:AlternateContent>
@@ -4809,14 +4848,14 @@
   <p:clrMapOvr>
     <a:masterClrMapping/>
   </p:clrMapOvr>
-  <mc:AlternateContent xmlns:mc="http://schemas.openxmlformats.org/markup-compatibility/2006" xmlns:p14="http://schemas.microsoft.com/office/powerpoint/2010/main">
-    <mc:Choice Requires="p14">
-      <p:transition spd="med" p14:dur="700" advTm="37382">
+  <mc:AlternateContent xmlns:mc="http://schemas.openxmlformats.org/markup-compatibility/2006">
+    <mc:Choice xmlns:p14="http://schemas.microsoft.com/office/powerpoint/2010/main" Requires="p14">
+      <p:transition spd="med" p14:dur="700">
         <p:fade/>
       </p:transition>
     </mc:Choice>
-    <mc:Fallback xmlns="">
-      <p:transition spd="med" advTm="37382">
+    <mc:Fallback>
+      <p:transition spd="med">
         <p:fade/>
       </p:transition>
     </mc:Fallback>
@@ -5666,14 +5705,14 @@
   <p:clrMapOvr>
     <a:masterClrMapping/>
   </p:clrMapOvr>
-  <mc:AlternateContent xmlns:mc="http://schemas.openxmlformats.org/markup-compatibility/2006" xmlns:p14="http://schemas.microsoft.com/office/powerpoint/2010/main">
-    <mc:Choice Requires="p14">
-      <p:transition spd="med" p14:dur="700" advTm="20710">
+  <mc:AlternateContent xmlns:mc="http://schemas.openxmlformats.org/markup-compatibility/2006">
+    <mc:Choice xmlns:p14="http://schemas.microsoft.com/office/powerpoint/2010/main" Requires="p14">
+      <p:transition spd="med" p14:dur="700">
         <p:fade/>
       </p:transition>
     </mc:Choice>
-    <mc:Fallback xmlns="">
-      <p:transition spd="med" advTm="20710">
+    <mc:Fallback>
+      <p:transition spd="med">
         <p:fade/>
       </p:transition>
     </mc:Fallback>
@@ -6036,14 +6075,14 @@
   <p:clrMapOvr>
     <a:masterClrMapping/>
   </p:clrMapOvr>
-  <mc:AlternateContent xmlns:mc="http://schemas.openxmlformats.org/markup-compatibility/2006" xmlns:p14="http://schemas.microsoft.com/office/powerpoint/2010/main">
-    <mc:Choice Requires="p14">
-      <p:transition spd="med" p14:dur="700" advTm="27214">
+  <mc:AlternateContent xmlns:mc="http://schemas.openxmlformats.org/markup-compatibility/2006">
+    <mc:Choice xmlns:p14="http://schemas.microsoft.com/office/powerpoint/2010/main" Requires="p14">
+      <p:transition spd="med" p14:dur="700">
         <p:fade/>
       </p:transition>
     </mc:Choice>
-    <mc:Fallback xmlns="">
-      <p:transition spd="med" advTm="27214">
+    <mc:Fallback>
+      <p:transition spd="med">
         <p:fade/>
       </p:transition>
     </mc:Fallback>
@@ -6406,14 +6445,14 @@
   <p:clrMapOvr>
     <a:masterClrMapping/>
   </p:clrMapOvr>
-  <mc:AlternateContent xmlns:mc="http://schemas.openxmlformats.org/markup-compatibility/2006" xmlns:p14="http://schemas.microsoft.com/office/powerpoint/2010/main">
-    <mc:Choice Requires="p14">
-      <p:transition spd="med" p14:dur="700" advTm="27411">
+  <mc:AlternateContent xmlns:mc="http://schemas.openxmlformats.org/markup-compatibility/2006">
+    <mc:Choice xmlns:p14="http://schemas.microsoft.com/office/powerpoint/2010/main" Requires="p14">
+      <p:transition spd="med" p14:dur="700">
         <p:fade/>
       </p:transition>
     </mc:Choice>
-    <mc:Fallback xmlns="">
-      <p:transition spd="med" advTm="27411">
+    <mc:Fallback>
+      <p:transition spd="med">
         <p:fade/>
       </p:transition>
     </mc:Fallback>
@@ -7096,14 +7135,14 @@
   <p:clrMapOvr>
     <a:masterClrMapping/>
   </p:clrMapOvr>
-  <mc:AlternateContent xmlns:mc="http://schemas.openxmlformats.org/markup-compatibility/2006" xmlns:p14="http://schemas.microsoft.com/office/powerpoint/2010/main">
-    <mc:Choice Requires="p14">
-      <p:transition spd="med" p14:dur="700" advTm="34328">
+  <mc:AlternateContent xmlns:mc="http://schemas.openxmlformats.org/markup-compatibility/2006">
+    <mc:Choice xmlns:p14="http://schemas.microsoft.com/office/powerpoint/2010/main" Requires="p14">
+      <p:transition spd="med" p14:dur="700">
         <p:fade/>
       </p:transition>
     </mc:Choice>
-    <mc:Fallback xmlns="">
-      <p:transition spd="med" advTm="34328">
+    <mc:Fallback>
+      <p:transition spd="med">
         <p:fade/>
       </p:transition>
     </mc:Fallback>
@@ -7424,14 +7463,14 @@
   <p:clrMapOvr>
     <a:masterClrMapping/>
   </p:clrMapOvr>
-  <mc:AlternateContent xmlns:mc="http://schemas.openxmlformats.org/markup-compatibility/2006" xmlns:p14="http://schemas.microsoft.com/office/powerpoint/2010/main">
-    <mc:Choice Requires="p14">
-      <p:transition spd="med" p14:dur="700" advTm="19744">
+  <mc:AlternateContent xmlns:mc="http://schemas.openxmlformats.org/markup-compatibility/2006">
+    <mc:Choice xmlns:p14="http://schemas.microsoft.com/office/powerpoint/2010/main" Requires="p14">
+      <p:transition spd="med" p14:dur="700">
         <p:fade/>
       </p:transition>
     </mc:Choice>
-    <mc:Fallback xmlns="">
-      <p:transition spd="med" advTm="19744">
+    <mc:Fallback>
+      <p:transition spd="med">
         <p:fade/>
       </p:transition>
     </mc:Fallback>
@@ -8308,14 +8347,14 @@
   <p:clrMapOvr>
     <a:masterClrMapping/>
   </p:clrMapOvr>
-  <mc:AlternateContent xmlns:mc="http://schemas.openxmlformats.org/markup-compatibility/2006" xmlns:p14="http://schemas.microsoft.com/office/powerpoint/2010/main">
-    <mc:Choice Requires="p14">
-      <p:transition spd="med" p14:dur="700" advTm="6939">
+  <mc:AlternateContent xmlns:mc="http://schemas.openxmlformats.org/markup-compatibility/2006">
+    <mc:Choice xmlns:p14="http://schemas.microsoft.com/office/powerpoint/2010/main" Requires="p14">
+      <p:transition spd="med" p14:dur="700">
         <p:fade/>
       </p:transition>
     </mc:Choice>
-    <mc:Fallback xmlns="">
-      <p:transition spd="med" advTm="6939">
+    <mc:Fallback>
+      <p:transition spd="med">
         <p:fade/>
       </p:transition>
     </mc:Fallback>
@@ -9210,14 +9249,14 @@
   <p:clrMapOvr>
     <a:masterClrMapping/>
   </p:clrMapOvr>
-  <mc:AlternateContent xmlns:mc="http://schemas.openxmlformats.org/markup-compatibility/2006" xmlns:p14="http://schemas.microsoft.com/office/powerpoint/2010/main">
-    <mc:Choice Requires="p14">
-      <p:transition spd="med" p14:dur="700" advTm="5312">
+  <mc:AlternateContent xmlns:mc="http://schemas.openxmlformats.org/markup-compatibility/2006">
+    <mc:Choice xmlns:p14="http://schemas.microsoft.com/office/powerpoint/2010/main" Requires="p14">
+      <p:transition spd="med" p14:dur="700">
         <p:fade/>
       </p:transition>
     </mc:Choice>
-    <mc:Fallback xmlns="">
-      <p:transition spd="med" advTm="5312">
+    <mc:Fallback>
+      <p:transition spd="med">
         <p:fade/>
       </p:transition>
     </mc:Fallback>
@@ -10070,14 +10109,14 @@
   <p:clrMapOvr>
     <a:masterClrMapping/>
   </p:clrMapOvr>
-  <mc:AlternateContent xmlns:mc="http://schemas.openxmlformats.org/markup-compatibility/2006" xmlns:p14="http://schemas.microsoft.com/office/powerpoint/2010/main">
-    <mc:Choice Requires="p14">
-      <p:transition spd="med" p14:dur="700" advTm="11115">
+  <mc:AlternateContent xmlns:mc="http://schemas.openxmlformats.org/markup-compatibility/2006">
+    <mc:Choice xmlns:p14="http://schemas.microsoft.com/office/powerpoint/2010/main" Requires="p14">
+      <p:transition spd="med" p14:dur="700">
         <p:fade/>
       </p:transition>
     </mc:Choice>
-    <mc:Fallback xmlns="">
-      <p:transition spd="med" advTm="11115">
+    <mc:Fallback>
+      <p:transition spd="med">
         <p:fade/>
       </p:transition>
     </mc:Fallback>
@@ -10978,14 +11017,14 @@
   <p:clrMapOvr>
     <a:masterClrMapping/>
   </p:clrMapOvr>
-  <mc:AlternateContent xmlns:mc="http://schemas.openxmlformats.org/markup-compatibility/2006" xmlns:p14="http://schemas.microsoft.com/office/powerpoint/2010/main">
-    <mc:Choice Requires="p14">
-      <p:transition spd="med" p14:dur="700" advTm="19473">
+  <mc:AlternateContent xmlns:mc="http://schemas.openxmlformats.org/markup-compatibility/2006">
+    <mc:Choice xmlns:p14="http://schemas.microsoft.com/office/powerpoint/2010/main" Requires="p14">
+      <p:transition spd="med" p14:dur="700">
         <p:fade/>
       </p:transition>
     </mc:Choice>
-    <mc:Fallback xmlns="">
-      <p:transition spd="med" advTm="19473">
+    <mc:Fallback>
+      <p:transition spd="med">
         <p:fade/>
       </p:transition>
     </mc:Fallback>
@@ -12117,14 +12156,14 @@
   <p:clrMapOvr>
     <a:masterClrMapping/>
   </p:clrMapOvr>
-  <mc:AlternateContent xmlns:mc="http://schemas.openxmlformats.org/markup-compatibility/2006" xmlns:p14="http://schemas.microsoft.com/office/powerpoint/2010/main">
-    <mc:Choice Requires="p14">
-      <p:transition spd="med" p14:dur="700" advTm="42859">
+  <mc:AlternateContent xmlns:mc="http://schemas.openxmlformats.org/markup-compatibility/2006">
+    <mc:Choice xmlns:p14="http://schemas.microsoft.com/office/powerpoint/2010/main" Requires="p14">
+      <p:transition spd="med" p14:dur="700">
         <p:fade/>
       </p:transition>
     </mc:Choice>
-    <mc:Fallback xmlns="">
-      <p:transition spd="med" advTm="42859">
+    <mc:Fallback>
+      <p:transition spd="med">
         <p:fade/>
       </p:transition>
     </mc:Fallback>
@@ -12498,14 +12537,14 @@
   <p:clrMapOvr>
     <a:masterClrMapping/>
   </p:clrMapOvr>
-  <mc:AlternateContent xmlns:mc="http://schemas.openxmlformats.org/markup-compatibility/2006" xmlns:p14="http://schemas.microsoft.com/office/powerpoint/2010/main">
-    <mc:Choice Requires="p14">
-      <p:transition spd="med" p14:dur="700" advTm="11329">
+  <mc:AlternateContent xmlns:mc="http://schemas.openxmlformats.org/markup-compatibility/2006">
+    <mc:Choice xmlns:p14="http://schemas.microsoft.com/office/powerpoint/2010/main" Requires="p14">
+      <p:transition spd="med" p14:dur="700">
         <p:fade/>
       </p:transition>
     </mc:Choice>
-    <mc:Fallback xmlns="">
-      <p:transition spd="med" advTm="11329">
+    <mc:Fallback>
+      <p:transition spd="med">
         <p:fade/>
       </p:transition>
     </mc:Fallback>
@@ -13008,14 +13047,14 @@
   <p:clrMapOvr>
     <a:masterClrMapping/>
   </p:clrMapOvr>
-  <mc:AlternateContent xmlns:mc="http://schemas.openxmlformats.org/markup-compatibility/2006" xmlns:p14="http://schemas.microsoft.com/office/powerpoint/2010/main">
-    <mc:Choice Requires="p14">
-      <p:transition spd="med" p14:dur="700" advTm="3903">
+  <mc:AlternateContent xmlns:mc="http://schemas.openxmlformats.org/markup-compatibility/2006">
+    <mc:Choice xmlns:p14="http://schemas.microsoft.com/office/powerpoint/2010/main" Requires="p14">
+      <p:transition spd="med" p14:dur="700">
         <p:fade/>
       </p:transition>
     </mc:Choice>
-    <mc:Fallback xmlns="">
-      <p:transition spd="med" advTm="3903">
+    <mc:Fallback>
+      <p:transition spd="med">
         <p:fade/>
       </p:transition>
     </mc:Fallback>
@@ -13436,8 +13475,14 @@
           <a:lstStyle/>
           <a:p>
             <a:r>
+              <a:rPr lang="en-HK" dirty="0">
+                <a:hlinkClick r:id="rId4"/>
+              </a:rPr>
+              <a:t>https://github.com/chaoxu0512/Pushbroom-satellite-image-SRGAN</a:t>
+            </a:r>
+            <a:r>
               <a:rPr lang="en-HK" dirty="0"/>
-              <a:t>https://github.com/chaoxu0512/Pushbroom-satellite-image-SRGAN.</a:t>
+              <a:t>.</a:t>
             </a:r>
           </a:p>
         </p:txBody>
@@ -13452,15 +13497,15 @@
   <p:clrMapOvr>
     <a:masterClrMapping/>
   </p:clrMapOvr>
-  <mc:AlternateContent xmlns:mc="http://schemas.openxmlformats.org/markup-compatibility/2006" xmlns:p14="http://schemas.microsoft.com/office/powerpoint/2010/main">
-    <mc:Choice Requires="p14">
-      <p:transition spd="slow" p14:dur="1600" advTm="4946">
-        <p:blinds dir="vert"/>
+  <mc:AlternateContent xmlns:mc="http://schemas.openxmlformats.org/markup-compatibility/2006">
+    <mc:Choice xmlns:p14="http://schemas.microsoft.com/office/powerpoint/2010/main" Requires="p14">
+      <p:transition spd="med" p14:dur="700">
+        <p:fade/>
       </p:transition>
     </mc:Choice>
-    <mc:Fallback xmlns="">
-      <p:transition spd="slow" advTm="4946">
-        <p:blinds dir="vert"/>
+    <mc:Fallback>
+      <p:transition spd="med">
+        <p:fade/>
       </p:transition>
     </mc:Fallback>
   </mc:AlternateContent>
@@ -14278,14 +14323,14 @@
   <p:clrMapOvr>
     <a:masterClrMapping/>
   </p:clrMapOvr>
-  <mc:AlternateContent xmlns:mc="http://schemas.openxmlformats.org/markup-compatibility/2006" xmlns:p14="http://schemas.microsoft.com/office/powerpoint/2010/main">
-    <mc:Choice Requires="p14">
-      <p:transition spd="med" p14:dur="700" advTm="42859">
+  <mc:AlternateContent xmlns:mc="http://schemas.openxmlformats.org/markup-compatibility/2006">
+    <mc:Choice xmlns:p14="http://schemas.microsoft.com/office/powerpoint/2010/main" Requires="p14">
+      <p:transition spd="med" p14:dur="700">
         <p:fade/>
       </p:transition>
     </mc:Choice>
-    <mc:Fallback xmlns="">
-      <p:transition spd="med" advTm="42859">
+    <mc:Fallback>
+      <p:transition spd="med">
         <p:fade/>
       </p:transition>
     </mc:Fallback>
@@ -14868,14 +14913,14 @@
   <p:clrMapOvr>
     <a:masterClrMapping/>
   </p:clrMapOvr>
-  <mc:AlternateContent xmlns:mc="http://schemas.openxmlformats.org/markup-compatibility/2006" xmlns:p14="http://schemas.microsoft.com/office/powerpoint/2010/main">
-    <mc:Choice Requires="p14">
-      <p:transition spd="med" p14:dur="700" advTm="33571">
+  <mc:AlternateContent xmlns:mc="http://schemas.openxmlformats.org/markup-compatibility/2006">
+    <mc:Choice xmlns:p14="http://schemas.microsoft.com/office/powerpoint/2010/main" Requires="p14">
+      <p:transition spd="med" p14:dur="700">
         <p:fade/>
       </p:transition>
     </mc:Choice>
-    <mc:Fallback xmlns="">
-      <p:transition spd="med" advTm="33571">
+    <mc:Fallback>
+      <p:transition spd="med">
         <p:fade/>
       </p:transition>
     </mc:Fallback>
@@ -15973,355 +16018,18 @@
   <p:clrMapOvr>
     <a:masterClrMapping/>
   </p:clrMapOvr>
-  <mc:AlternateContent xmlns:mc="http://schemas.openxmlformats.org/markup-compatibility/2006" xmlns:p14="http://schemas.microsoft.com/office/powerpoint/2010/main">
-    <mc:Choice Requires="p14">
-      <p:transition spd="med" p14:dur="700" advTm="33571">
+  <mc:AlternateContent xmlns:mc="http://schemas.openxmlformats.org/markup-compatibility/2006">
+    <mc:Choice xmlns:p14="http://schemas.microsoft.com/office/powerpoint/2010/main" Requires="p14">
+      <p:transition spd="med" p14:dur="700">
         <p:fade/>
       </p:transition>
     </mc:Choice>
-    <mc:Fallback xmlns="">
-      <p:transition spd="med" advTm="33571">
+    <mc:Fallback>
+      <p:transition spd="med">
         <p:fade/>
       </p:transition>
     </mc:Fallback>
   </mc:AlternateContent>
-  <p:timing>
-    <p:tnLst>
-      <p:par>
-        <p:cTn id="1" dur="indefinite" restart="never" nodeType="tmRoot">
-          <p:childTnLst>
-            <p:seq concurrent="1" nextAc="seek">
-              <p:cTn id="2" dur="indefinite" nodeType="mainSeq">
-                <p:childTnLst>
-                  <p:par>
-                    <p:cTn id="3" fill="hold">
-                      <p:stCondLst>
-                        <p:cond delay="indefinite"/>
-                      </p:stCondLst>
-                      <p:childTnLst>
-                        <p:par>
-                          <p:cTn id="4" fill="hold">
-                            <p:stCondLst>
-                              <p:cond delay="0"/>
-                            </p:stCondLst>
-                            <p:childTnLst>
-                              <p:par>
-                                <p:cTn id="5" presetID="10" presetClass="entr" presetSubtype="0" fill="hold" grpId="0" nodeType="clickEffect">
-                                  <p:stCondLst>
-                                    <p:cond delay="0"/>
-                                  </p:stCondLst>
-                                  <p:childTnLst>
-                                    <p:set>
-                                      <p:cBhvr>
-                                        <p:cTn id="6" dur="1" fill="hold">
-                                          <p:stCondLst>
-                                            <p:cond delay="0"/>
-                                          </p:stCondLst>
-                                        </p:cTn>
-                                        <p:tgtEl>
-                                          <p:spTgt spid="19"/>
-                                        </p:tgtEl>
-                                        <p:attrNameLst>
-                                          <p:attrName>style.visibility</p:attrName>
-                                        </p:attrNameLst>
-                                      </p:cBhvr>
-                                      <p:to>
-                                        <p:strVal val="visible"/>
-                                      </p:to>
-                                    </p:set>
-                                    <p:animEffect transition="in" filter="fade">
-                                      <p:cBhvr>
-                                        <p:cTn id="7" dur="500"/>
-                                        <p:tgtEl>
-                                          <p:spTgt spid="19"/>
-                                        </p:tgtEl>
-                                      </p:cBhvr>
-                                    </p:animEffect>
-                                  </p:childTnLst>
-                                </p:cTn>
-                              </p:par>
-                              <p:par>
-                                <p:cTn id="8" presetID="10" presetClass="entr" presetSubtype="0" fill="hold" grpId="0" nodeType="withEffect">
-                                  <p:stCondLst>
-                                    <p:cond delay="0"/>
-                                  </p:stCondLst>
-                                  <p:childTnLst>
-                                    <p:set>
-                                      <p:cBhvr>
-                                        <p:cTn id="9" dur="1" fill="hold">
-                                          <p:stCondLst>
-                                            <p:cond delay="0"/>
-                                          </p:stCondLst>
-                                        </p:cTn>
-                                        <p:tgtEl>
-                                          <p:spTgt spid="14"/>
-                                        </p:tgtEl>
-                                        <p:attrNameLst>
-                                          <p:attrName>style.visibility</p:attrName>
-                                        </p:attrNameLst>
-                                      </p:cBhvr>
-                                      <p:to>
-                                        <p:strVal val="visible"/>
-                                      </p:to>
-                                    </p:set>
-                                    <p:animEffect transition="in" filter="fade">
-                                      <p:cBhvr>
-                                        <p:cTn id="10" dur="500"/>
-                                        <p:tgtEl>
-                                          <p:spTgt spid="14"/>
-                                        </p:tgtEl>
-                                      </p:cBhvr>
-                                    </p:animEffect>
-                                  </p:childTnLst>
-                                </p:cTn>
-                              </p:par>
-                              <p:par>
-                                <p:cTn id="11" presetID="10" presetClass="entr" presetSubtype="0" fill="hold" nodeType="withEffect">
-                                  <p:stCondLst>
-                                    <p:cond delay="0"/>
-                                  </p:stCondLst>
-                                  <p:childTnLst>
-                                    <p:set>
-                                      <p:cBhvr>
-                                        <p:cTn id="12" dur="1" fill="hold">
-                                          <p:stCondLst>
-                                            <p:cond delay="0"/>
-                                          </p:stCondLst>
-                                        </p:cTn>
-                                        <p:tgtEl>
-                                          <p:spTgt spid="16"/>
-                                        </p:tgtEl>
-                                        <p:attrNameLst>
-                                          <p:attrName>style.visibility</p:attrName>
-                                        </p:attrNameLst>
-                                      </p:cBhvr>
-                                      <p:to>
-                                        <p:strVal val="visible"/>
-                                      </p:to>
-                                    </p:set>
-                                    <p:animEffect transition="in" filter="fade">
-                                      <p:cBhvr>
-                                        <p:cTn id="13" dur="500"/>
-                                        <p:tgtEl>
-                                          <p:spTgt spid="16"/>
-                                        </p:tgtEl>
-                                      </p:cBhvr>
-                                    </p:animEffect>
-                                  </p:childTnLst>
-                                </p:cTn>
-                              </p:par>
-                            </p:childTnLst>
-                          </p:cTn>
-                        </p:par>
-                      </p:childTnLst>
-                    </p:cTn>
-                  </p:par>
-                  <p:par>
-                    <p:cTn id="14" fill="hold">
-                      <p:stCondLst>
-                        <p:cond delay="indefinite"/>
-                      </p:stCondLst>
-                      <p:childTnLst>
-                        <p:par>
-                          <p:cTn id="15" fill="hold">
-                            <p:stCondLst>
-                              <p:cond delay="0"/>
-                            </p:stCondLst>
-                            <p:childTnLst>
-                              <p:par>
-                                <p:cTn id="16" presetID="10" presetClass="entr" presetSubtype="0" fill="hold" grpId="0" nodeType="clickEffect">
-                                  <p:stCondLst>
-                                    <p:cond delay="0"/>
-                                  </p:stCondLst>
-                                  <p:childTnLst>
-                                    <p:set>
-                                      <p:cBhvr>
-                                        <p:cTn id="17" dur="1" fill="hold">
-                                          <p:stCondLst>
-                                            <p:cond delay="0"/>
-                                          </p:stCondLst>
-                                        </p:cTn>
-                                        <p:tgtEl>
-                                          <p:spTgt spid="20"/>
-                                        </p:tgtEl>
-                                        <p:attrNameLst>
-                                          <p:attrName>style.visibility</p:attrName>
-                                        </p:attrNameLst>
-                                      </p:cBhvr>
-                                      <p:to>
-                                        <p:strVal val="visible"/>
-                                      </p:to>
-                                    </p:set>
-                                    <p:animEffect transition="in" filter="fade">
-                                      <p:cBhvr>
-                                        <p:cTn id="18" dur="1500"/>
-                                        <p:tgtEl>
-                                          <p:spTgt spid="20"/>
-                                        </p:tgtEl>
-                                      </p:cBhvr>
-                                    </p:animEffect>
-                                  </p:childTnLst>
-                                </p:cTn>
-                              </p:par>
-                              <p:par>
-                                <p:cTn id="19" presetID="10" presetClass="entr" presetSubtype="0" fill="hold" grpId="0" nodeType="withEffect">
-                                  <p:stCondLst>
-                                    <p:cond delay="0"/>
-                                  </p:stCondLst>
-                                  <p:childTnLst>
-                                    <p:set>
-                                      <p:cBhvr>
-                                        <p:cTn id="20" dur="1" fill="hold">
-                                          <p:stCondLst>
-                                            <p:cond delay="0"/>
-                                          </p:stCondLst>
-                                        </p:cTn>
-                                        <p:tgtEl>
-                                          <p:spTgt spid="21"/>
-                                        </p:tgtEl>
-                                        <p:attrNameLst>
-                                          <p:attrName>style.visibility</p:attrName>
-                                        </p:attrNameLst>
-                                      </p:cBhvr>
-                                      <p:to>
-                                        <p:strVal val="visible"/>
-                                      </p:to>
-                                    </p:set>
-                                    <p:animEffect transition="in" filter="fade">
-                                      <p:cBhvr>
-                                        <p:cTn id="21" dur="1500"/>
-                                        <p:tgtEl>
-                                          <p:spTgt spid="21"/>
-                                        </p:tgtEl>
-                                      </p:cBhvr>
-                                    </p:animEffect>
-                                  </p:childTnLst>
-                                </p:cTn>
-                              </p:par>
-                              <p:par>
-                                <p:cTn id="22" presetID="10" presetClass="entr" presetSubtype="0" fill="hold" grpId="0" nodeType="withEffect">
-                                  <p:stCondLst>
-                                    <p:cond delay="0"/>
-                                  </p:stCondLst>
-                                  <p:childTnLst>
-                                    <p:set>
-                                      <p:cBhvr>
-                                        <p:cTn id="23" dur="1" fill="hold">
-                                          <p:stCondLst>
-                                            <p:cond delay="0"/>
-                                          </p:stCondLst>
-                                        </p:cTn>
-                                        <p:tgtEl>
-                                          <p:spTgt spid="22"/>
-                                        </p:tgtEl>
-                                        <p:attrNameLst>
-                                          <p:attrName>style.visibility</p:attrName>
-                                        </p:attrNameLst>
-                                      </p:cBhvr>
-                                      <p:to>
-                                        <p:strVal val="visible"/>
-                                      </p:to>
-                                    </p:set>
-                                    <p:animEffect transition="in" filter="fade">
-                                      <p:cBhvr>
-                                        <p:cTn id="24" dur="500"/>
-                                        <p:tgtEl>
-                                          <p:spTgt spid="22"/>
-                                        </p:tgtEl>
-                                      </p:cBhvr>
-                                    </p:animEffect>
-                                  </p:childTnLst>
-                                </p:cTn>
-                              </p:par>
-                              <p:par>
-                                <p:cTn id="25" presetID="26" presetClass="emph" presetSubtype="0" fill="hold" grpId="1" nodeType="withEffect">
-                                  <p:stCondLst>
-                                    <p:cond delay="0"/>
-                                  </p:stCondLst>
-                                  <p:childTnLst>
-                                    <p:animEffect transition="out" filter="fade">
-                                      <p:cBhvr>
-                                        <p:cTn id="26" dur="1500" tmFilter="0, 0; .2, .5; .8, .5; 1, 0"/>
-                                        <p:tgtEl>
-                                          <p:spTgt spid="20"/>
-                                        </p:tgtEl>
-                                      </p:cBhvr>
-                                    </p:animEffect>
-                                    <p:animScale>
-                                      <p:cBhvr>
-                                        <p:cTn id="27" dur="750" autoRev="1" fill="hold"/>
-                                        <p:tgtEl>
-                                          <p:spTgt spid="20"/>
-                                        </p:tgtEl>
-                                      </p:cBhvr>
-                                      <p:by x="105000" y="105000"/>
-                                    </p:animScale>
-                                  </p:childTnLst>
-                                </p:cTn>
-                              </p:par>
-                              <p:par>
-                                <p:cTn id="28" presetID="26" presetClass="emph" presetSubtype="0" fill="hold" grpId="1" nodeType="withEffect">
-                                  <p:stCondLst>
-                                    <p:cond delay="0"/>
-                                  </p:stCondLst>
-                                  <p:childTnLst>
-                                    <p:animEffect transition="out" filter="fade">
-                                      <p:cBhvr>
-                                        <p:cTn id="29" dur="1500" tmFilter="0, 0; .2, .5; .8, .5; 1, 0"/>
-                                        <p:tgtEl>
-                                          <p:spTgt spid="21"/>
-                                        </p:tgtEl>
-                                      </p:cBhvr>
-                                    </p:animEffect>
-                                    <p:animScale>
-                                      <p:cBhvr>
-                                        <p:cTn id="30" dur="750" autoRev="1" fill="hold"/>
-                                        <p:tgtEl>
-                                          <p:spTgt spid="21"/>
-                                        </p:tgtEl>
-                                      </p:cBhvr>
-                                      <p:by x="105000" y="105000"/>
-                                    </p:animScale>
-                                  </p:childTnLst>
-                                </p:cTn>
-                              </p:par>
-                            </p:childTnLst>
-                          </p:cTn>
-                        </p:par>
-                      </p:childTnLst>
-                    </p:cTn>
-                  </p:par>
-                </p:childTnLst>
-              </p:cTn>
-              <p:prevCondLst>
-                <p:cond evt="onPrev" delay="0">
-                  <p:tgtEl>
-                    <p:sldTgt/>
-                  </p:tgtEl>
-                </p:cond>
-              </p:prevCondLst>
-              <p:nextCondLst>
-                <p:cond evt="onNext" delay="0">
-                  <p:tgtEl>
-                    <p:sldTgt/>
-                  </p:tgtEl>
-                </p:cond>
-              </p:nextCondLst>
-            </p:seq>
-          </p:childTnLst>
-        </p:cTn>
-      </p:par>
-    </p:tnLst>
-    <p:bldLst>
-      <p:bldP spid="14" grpId="0"/>
-      <p:bldP spid="19" grpId="0" animBg="1"/>
-      <p:bldP spid="20" grpId="0" animBg="1"/>
-      <p:bldP spid="20" grpId="1" animBg="1"/>
-      <p:bldP spid="21" grpId="0" animBg="1"/>
-      <p:bldP spid="21" grpId="1" animBg="1"/>
-      <p:bldP spid="22" grpId="0"/>
-    </p:bldLst>
-  </p:timing>
 </p:sld>
 </file>
 
@@ -16733,14 +16441,14 @@
   <p:clrMapOvr>
     <a:masterClrMapping/>
   </p:clrMapOvr>
-  <mc:AlternateContent xmlns:mc="http://schemas.openxmlformats.org/markup-compatibility/2006" xmlns:p14="http://schemas.microsoft.com/office/powerpoint/2010/main">
-    <mc:Choice Requires="p14">
-      <p:transition spd="med" p14:dur="700" advTm="22847">
+  <mc:AlternateContent xmlns:mc="http://schemas.openxmlformats.org/markup-compatibility/2006">
+    <mc:Choice xmlns:p14="http://schemas.microsoft.com/office/powerpoint/2010/main" Requires="p14">
+      <p:transition spd="med" p14:dur="700">
         <p:fade/>
       </p:transition>
     </mc:Choice>
-    <mc:Fallback xmlns="">
-      <p:transition spd="med" advTm="22847">
+    <mc:Fallback>
+      <p:transition spd="med">
         <p:fade/>
       </p:transition>
     </mc:Fallback>
@@ -17243,14 +16951,14 @@
   <p:clrMapOvr>
     <a:masterClrMapping/>
   </p:clrMapOvr>
-  <mc:AlternateContent xmlns:mc="http://schemas.openxmlformats.org/markup-compatibility/2006" xmlns:p14="http://schemas.microsoft.com/office/powerpoint/2010/main">
-    <mc:Choice Requires="p14">
-      <p:transition spd="med" p14:dur="700" advTm="22847">
+  <mc:AlternateContent xmlns:mc="http://schemas.openxmlformats.org/markup-compatibility/2006">
+    <mc:Choice xmlns:p14="http://schemas.microsoft.com/office/powerpoint/2010/main" Requires="p14">
+      <p:transition spd="med" p14:dur="700">
         <p:fade/>
       </p:transition>
     </mc:Choice>
-    <mc:Fallback xmlns="">
-      <p:transition spd="med" advTm="22847">
+    <mc:Fallback>
+      <p:transition spd="med">
         <p:fade/>
       </p:transition>
     </mc:Fallback>
@@ -17881,127 +17589,18 @@
   <p:clrMapOvr>
     <a:masterClrMapping/>
   </p:clrMapOvr>
-  <mc:AlternateContent xmlns:mc="http://schemas.openxmlformats.org/markup-compatibility/2006" xmlns:p14="http://schemas.microsoft.com/office/powerpoint/2010/main">
-    <mc:Choice Requires="p14">
-      <p:transition spd="med" p14:dur="700" advTm="66252">
+  <mc:AlternateContent xmlns:mc="http://schemas.openxmlformats.org/markup-compatibility/2006">
+    <mc:Choice xmlns:p14="http://schemas.microsoft.com/office/powerpoint/2010/main" Requires="p14">
+      <p:transition spd="med" p14:dur="700">
         <p:fade/>
       </p:transition>
     </mc:Choice>
-    <mc:Fallback xmlns="">
-      <p:transition spd="med" advTm="66252">
+    <mc:Fallback>
+      <p:transition spd="med">
         <p:fade/>
       </p:transition>
     </mc:Fallback>
   </mc:AlternateContent>
-  <p:timing>
-    <p:tnLst>
-      <p:par>
-        <p:cTn id="1" dur="indefinite" restart="never" nodeType="tmRoot">
-          <p:childTnLst>
-            <p:seq concurrent="1" nextAc="seek">
-              <p:cTn id="2" dur="indefinite" nodeType="mainSeq">
-                <p:childTnLst>
-                  <p:par>
-                    <p:cTn id="3" fill="hold">
-                      <p:stCondLst>
-                        <p:cond delay="indefinite"/>
-                        <p:cond evt="onBegin" delay="0">
-                          <p:tn val="2"/>
-                        </p:cond>
-                      </p:stCondLst>
-                      <p:childTnLst>
-                        <p:par>
-                          <p:cTn id="4" fill="hold">
-                            <p:stCondLst>
-                              <p:cond delay="0"/>
-                            </p:stCondLst>
-                            <p:childTnLst>
-                              <p:par>
-                                <p:cTn id="5" presetID="1" presetClass="entr" presetSubtype="0" fill="hold" grpId="0" nodeType="withEffect">
-                                  <p:stCondLst>
-                                    <p:cond delay="0"/>
-                                  </p:stCondLst>
-                                  <p:childTnLst>
-                                    <p:set>
-                                      <p:cBhvr>
-                                        <p:cTn id="6" dur="1" fill="hold">
-                                          <p:stCondLst>
-                                            <p:cond delay="0"/>
-                                          </p:stCondLst>
-                                        </p:cTn>
-                                        <p:tgtEl>
-                                          <p:spTgt spid="24"/>
-                                        </p:tgtEl>
-                                        <p:attrNameLst>
-                                          <p:attrName>style.visibility</p:attrName>
-                                        </p:attrNameLst>
-                                      </p:cBhvr>
-                                      <p:to>
-                                        <p:strVal val="visible"/>
-                                      </p:to>
-                                    </p:set>
-                                  </p:childTnLst>
-                                </p:cTn>
-                              </p:par>
-                              <p:par>
-                                <p:cTn id="7" presetID="1" presetClass="entr" presetSubtype="0" fill="hold" grpId="0" nodeType="withEffect">
-                                  <p:stCondLst>
-                                    <p:cond delay="0"/>
-                                  </p:stCondLst>
-                                  <p:childTnLst>
-                                    <p:set>
-                                      <p:cBhvr>
-                                        <p:cTn id="8" dur="1" fill="hold">
-                                          <p:stCondLst>
-                                            <p:cond delay="0"/>
-                                          </p:stCondLst>
-                                        </p:cTn>
-                                        <p:tgtEl>
-                                          <p:spTgt spid="26"/>
-                                        </p:tgtEl>
-                                        <p:attrNameLst>
-                                          <p:attrName>style.visibility</p:attrName>
-                                        </p:attrNameLst>
-                                      </p:cBhvr>
-                                      <p:to>
-                                        <p:strVal val="visible"/>
-                                      </p:to>
-                                    </p:set>
-                                  </p:childTnLst>
-                                </p:cTn>
-                              </p:par>
-                            </p:childTnLst>
-                          </p:cTn>
-                        </p:par>
-                      </p:childTnLst>
-                    </p:cTn>
-                  </p:par>
-                </p:childTnLst>
-              </p:cTn>
-              <p:prevCondLst>
-                <p:cond evt="onPrev" delay="0">
-                  <p:tgtEl>
-                    <p:sldTgt/>
-                  </p:tgtEl>
-                </p:cond>
-              </p:prevCondLst>
-              <p:nextCondLst>
-                <p:cond evt="onNext" delay="0">
-                  <p:tgtEl>
-                    <p:sldTgt/>
-                  </p:tgtEl>
-                </p:cond>
-              </p:nextCondLst>
-            </p:seq>
-          </p:childTnLst>
-        </p:cTn>
-      </p:par>
-    </p:tnLst>
-    <p:bldLst>
-      <p:bldP spid="24" grpId="0"/>
-      <p:bldP spid="26" grpId="0"/>
-    </p:bldLst>
-  </p:timing>
 </p:sld>
 </file>
 
@@ -18460,14 +18059,14 @@
   <p:clrMapOvr>
     <a:masterClrMapping/>
   </p:clrMapOvr>
-  <mc:AlternateContent xmlns:mc="http://schemas.openxmlformats.org/markup-compatibility/2006" xmlns:p14="http://schemas.microsoft.com/office/powerpoint/2010/main">
-    <mc:Choice Requires="p14">
-      <p:transition spd="med" p14:dur="700" advTm="66252">
+  <mc:AlternateContent xmlns:mc="http://schemas.openxmlformats.org/markup-compatibility/2006">
+    <mc:Choice xmlns:p14="http://schemas.microsoft.com/office/powerpoint/2010/main" Requires="p14">
+      <p:transition spd="med" p14:dur="700">
         <p:fade/>
       </p:transition>
     </mc:Choice>
-    <mc:Fallback xmlns="">
-      <p:transition spd="med" advTm="66252">
+    <mc:Fallback>
+      <p:transition spd="med">
         <p:fade/>
       </p:transition>
     </mc:Fallback>
@@ -18513,7 +18112,7 @@
         <a:sysClr val="windowText" lastClr="000000"/>
       </a:dk1>
       <a:lt1>
-        <a:sysClr val="window" lastClr="FFFFFF"/>
+        <a:sysClr val="window" lastClr="C7EDCC"/>
       </a:lt1>
       <a:dk2>
         <a:srgbClr val="44546A"/>
@@ -18774,7 +18373,7 @@
         <a:sysClr val="windowText" lastClr="000000"/>
       </a:dk1>
       <a:lt1>
-        <a:sysClr val="window" lastClr="FFFFFF"/>
+        <a:sysClr val="window" lastClr="C7EDCC"/>
       </a:lt1>
       <a:dk2>
         <a:srgbClr val="44546A"/>
@@ -19069,7 +18668,7 @@
         <a:sysClr val="windowText" lastClr="000000"/>
       </a:dk1>
       <a:lt1>
-        <a:sysClr val="window" lastClr="FFFFFF"/>
+        <a:sysClr val="window" lastClr="C7EDCC"/>
       </a:lt1>
       <a:dk2>
         <a:srgbClr val="44546A"/>
